--- a/11 - Oh, for a thousand tongues to sing.pptx
+++ b/11 - Oh, for a thousand tongues to sing.pptx
@@ -243,7 +243,7 @@
           <a:p>
             <a:fld id="{32F7251A-AE54-443C-B8FE-5F636E835EBF}" type="datetimeFigureOut">
               <a:rPr lang="en-US" smtClean="0"/>
-              <a:t>3/10/2019</a:t>
+              <a:t>8/2/2020</a:t>
             </a:fld>
             <a:endParaRPr lang="en-US"/>
           </a:p>
@@ -411,7 +411,7 @@
           <a:p>
             <a:fld id="{32F7251A-AE54-443C-B8FE-5F636E835EBF}" type="datetimeFigureOut">
               <a:rPr lang="en-US" smtClean="0"/>
-              <a:t>3/10/2019</a:t>
+              <a:t>8/2/2020</a:t>
             </a:fld>
             <a:endParaRPr lang="en-US"/>
           </a:p>
@@ -589,7 +589,7 @@
           <a:p>
             <a:fld id="{32F7251A-AE54-443C-B8FE-5F636E835EBF}" type="datetimeFigureOut">
               <a:rPr lang="en-US" smtClean="0"/>
-              <a:t>3/10/2019</a:t>
+              <a:t>8/2/2020</a:t>
             </a:fld>
             <a:endParaRPr lang="en-US"/>
           </a:p>
@@ -757,7 +757,7 @@
           <a:p>
             <a:fld id="{32F7251A-AE54-443C-B8FE-5F636E835EBF}" type="datetimeFigureOut">
               <a:rPr lang="en-US" smtClean="0"/>
-              <a:t>3/10/2019</a:t>
+              <a:t>8/2/2020</a:t>
             </a:fld>
             <a:endParaRPr lang="en-US"/>
           </a:p>
@@ -1002,7 +1002,7 @@
           <a:p>
             <a:fld id="{32F7251A-AE54-443C-B8FE-5F636E835EBF}" type="datetimeFigureOut">
               <a:rPr lang="en-US" smtClean="0"/>
-              <a:t>3/10/2019</a:t>
+              <a:t>8/2/2020</a:t>
             </a:fld>
             <a:endParaRPr lang="en-US"/>
           </a:p>
@@ -1231,7 +1231,7 @@
           <a:p>
             <a:fld id="{32F7251A-AE54-443C-B8FE-5F636E835EBF}" type="datetimeFigureOut">
               <a:rPr lang="en-US" smtClean="0"/>
-              <a:t>3/10/2019</a:t>
+              <a:t>8/2/2020</a:t>
             </a:fld>
             <a:endParaRPr lang="en-US"/>
           </a:p>
@@ -1595,7 +1595,7 @@
           <a:p>
             <a:fld id="{32F7251A-AE54-443C-B8FE-5F636E835EBF}" type="datetimeFigureOut">
               <a:rPr lang="en-US" smtClean="0"/>
-              <a:t>3/10/2019</a:t>
+              <a:t>8/2/2020</a:t>
             </a:fld>
             <a:endParaRPr lang="en-US"/>
           </a:p>
@@ -1712,7 +1712,7 @@
           <a:p>
             <a:fld id="{32F7251A-AE54-443C-B8FE-5F636E835EBF}" type="datetimeFigureOut">
               <a:rPr lang="en-US" smtClean="0"/>
-              <a:t>3/10/2019</a:t>
+              <a:t>8/2/2020</a:t>
             </a:fld>
             <a:endParaRPr lang="en-US"/>
           </a:p>
@@ -1807,7 +1807,7 @@
           <a:p>
             <a:fld id="{32F7251A-AE54-443C-B8FE-5F636E835EBF}" type="datetimeFigureOut">
               <a:rPr lang="en-US" smtClean="0"/>
-              <a:t>3/10/2019</a:t>
+              <a:t>8/2/2020</a:t>
             </a:fld>
             <a:endParaRPr lang="en-US"/>
           </a:p>
@@ -2082,7 +2082,7 @@
           <a:p>
             <a:fld id="{32F7251A-AE54-443C-B8FE-5F636E835EBF}" type="datetimeFigureOut">
               <a:rPr lang="en-US" smtClean="0"/>
-              <a:t>3/10/2019</a:t>
+              <a:t>8/2/2020</a:t>
             </a:fld>
             <a:endParaRPr lang="en-US"/>
           </a:p>
@@ -2334,7 +2334,7 @@
           <a:p>
             <a:fld id="{32F7251A-AE54-443C-B8FE-5F636E835EBF}" type="datetimeFigureOut">
               <a:rPr lang="en-US" smtClean="0"/>
-              <a:t>3/10/2019</a:t>
+              <a:t>8/2/2020</a:t>
             </a:fld>
             <a:endParaRPr lang="en-US"/>
           </a:p>
@@ -2401,7 +2401,9 @@
     <p:bg>
       <p:bgPr>
         <a:solidFill>
-          <a:srgbClr val="333333"/>
+          <a:schemeClr val="bg1">
+            <a:lumMod val="10000"/>
+          </a:schemeClr>
         </a:solidFill>
         <a:effectLst/>
       </p:bgPr>
@@ -2548,7 +2550,7 @@
           <a:p>
             <a:fld id="{32F7251A-AE54-443C-B8FE-5F636E835EBF}" type="datetimeFigureOut">
               <a:rPr lang="en-US" smtClean="0"/>
-              <a:t>3/10/2019</a:t>
+              <a:t>8/2/2020</a:t>
             </a:fld>
             <a:endParaRPr lang="en-US"/>
           </a:p>
@@ -3018,8 +3020,8 @@
         </p:nvSpPr>
         <p:spPr>
           <a:xfrm>
-            <a:off x="0" y="5804209"/>
-            <a:ext cx="12192000" cy="830997"/>
+            <a:off x="0" y="5927320"/>
+            <a:ext cx="12192000" cy="584775"/>
           </a:xfrm>
           <a:prstGeom prst="rect">
             <a:avLst/>
@@ -3034,10 +3036,12 @@
           <a:p>
             <a:pPr algn="ctr"/>
             <a:r>
-              <a:rPr lang="en-US" sz="4800" dirty="0">
+              <a:rPr lang="en-US" sz="3200" u="sng" dirty="0">
                 <a:solidFill>
                   <a:schemeClr val="bg1"/>
                 </a:solidFill>
+                <a:latin typeface="Assistant SemiBold" panose="00000700000000000000" pitchFamily="2" charset="-79"/>
+                <a:cs typeface="Assistant SemiBold" panose="00000700000000000000" pitchFamily="2" charset="-79"/>
               </a:rPr>
               <a:t>“Oh, for a Thousand Tongues to Sing”</a:t>
             </a:r>
@@ -3052,8 +3056,8 @@
         </p:nvSpPr>
         <p:spPr>
           <a:xfrm>
-            <a:off x="0" y="255160"/>
-            <a:ext cx="12192000" cy="5078313"/>
+            <a:off x="0" y="729571"/>
+            <a:ext cx="12192000" cy="3970318"/>
           </a:xfrm>
           <a:prstGeom prst="rect">
             <a:avLst/>
@@ -3068,10 +3072,12 @@
           <a:p>
             <a:pPr algn="ctr"/>
             <a:r>
-              <a:rPr lang="en-US" sz="3600" dirty="0">
+              <a:rPr lang="en-US" sz="2800" spc="50" dirty="0">
                 <a:solidFill>
                   <a:schemeClr val="bg1"/>
                 </a:solidFill>
+                <a:latin typeface="Assistant" panose="00000500000000000000" pitchFamily="2" charset="-79"/>
+                <a:cs typeface="Assistant" panose="00000500000000000000" pitchFamily="2" charset="-79"/>
               </a:rPr>
               <a:t>Oh, for a thousand tongues to sing</a:t>
             </a:r>
@@ -3079,10 +3085,12 @@
           <a:p>
             <a:pPr algn="ctr"/>
             <a:r>
-              <a:rPr lang="en-US" sz="3600" dirty="0">
+              <a:rPr lang="en-US" sz="2800" spc="50" dirty="0">
                 <a:solidFill>
                   <a:schemeClr val="bg1"/>
                 </a:solidFill>
+                <a:latin typeface="Assistant" panose="00000500000000000000" pitchFamily="2" charset="-79"/>
+                <a:cs typeface="Assistant" panose="00000500000000000000" pitchFamily="2" charset="-79"/>
               </a:rPr>
               <a:t>My dear Redeemer’s praise,</a:t>
             </a:r>
@@ -3090,10 +3098,12 @@
           <a:p>
             <a:pPr algn="ctr"/>
             <a:r>
-              <a:rPr lang="en-US" sz="3600" dirty="0">
+              <a:rPr lang="en-US" sz="2800" spc="50" dirty="0">
                 <a:solidFill>
                   <a:schemeClr val="bg1"/>
                 </a:solidFill>
+                <a:latin typeface="Assistant" panose="00000500000000000000" pitchFamily="2" charset="-79"/>
+                <a:cs typeface="Assistant" panose="00000500000000000000" pitchFamily="2" charset="-79"/>
               </a:rPr>
               <a:t>The glories of my God and King,</a:t>
             </a:r>
@@ -3101,29 +3111,35 @@
           <a:p>
             <a:pPr algn="ctr"/>
             <a:r>
-              <a:rPr lang="en-US" sz="3600" dirty="0">
+              <a:rPr lang="en-US" sz="2800" spc="50" dirty="0">
                 <a:solidFill>
                   <a:schemeClr val="bg1"/>
                 </a:solidFill>
+                <a:latin typeface="Assistant" panose="00000500000000000000" pitchFamily="2" charset="-79"/>
+                <a:cs typeface="Assistant" panose="00000500000000000000" pitchFamily="2" charset="-79"/>
               </a:rPr>
               <a:t>The triumphs of His grace!</a:t>
             </a:r>
           </a:p>
           <a:p>
             <a:pPr algn="ctr"/>
-            <a:endParaRPr lang="en-US" sz="3600" dirty="0">
+            <a:endParaRPr lang="en-US" sz="2800" spc="50" dirty="0">
               <a:solidFill>
                 <a:schemeClr val="bg1"/>
               </a:solidFill>
+              <a:latin typeface="Assistant" panose="00000500000000000000" pitchFamily="2" charset="-79"/>
+              <a:cs typeface="Assistant" panose="00000500000000000000" pitchFamily="2" charset="-79"/>
             </a:endParaRPr>
           </a:p>
           <a:p>
             <a:pPr algn="ctr"/>
             <a:r>
-              <a:rPr lang="en-US" sz="3600" dirty="0">
+              <a:rPr lang="en-US" sz="2800" spc="50" dirty="0">
                 <a:solidFill>
                   <a:schemeClr val="bg1"/>
                 </a:solidFill>
+                <a:latin typeface="Assistant" panose="00000500000000000000" pitchFamily="2" charset="-79"/>
+                <a:cs typeface="Assistant" panose="00000500000000000000" pitchFamily="2" charset="-79"/>
               </a:rPr>
               <a:t>My gracious Master and my God,</a:t>
             </a:r>
@@ -3131,10 +3147,12 @@
           <a:p>
             <a:pPr algn="ctr"/>
             <a:r>
-              <a:rPr lang="en-US" sz="3600" dirty="0">
+              <a:rPr lang="en-US" sz="2800" spc="50" dirty="0">
                 <a:solidFill>
                   <a:schemeClr val="bg1"/>
                 </a:solidFill>
+                <a:latin typeface="Assistant" panose="00000500000000000000" pitchFamily="2" charset="-79"/>
+                <a:cs typeface="Assistant" panose="00000500000000000000" pitchFamily="2" charset="-79"/>
               </a:rPr>
               <a:t>Assist me to proclaim,</a:t>
             </a:r>
@@ -3142,10 +3160,12 @@
           <a:p>
             <a:pPr algn="ctr"/>
             <a:r>
-              <a:rPr lang="en-US" sz="3600" dirty="0">
+              <a:rPr lang="en-US" sz="2800" spc="50" dirty="0">
                 <a:solidFill>
                   <a:schemeClr val="bg1"/>
                 </a:solidFill>
+                <a:latin typeface="Assistant" panose="00000500000000000000" pitchFamily="2" charset="-79"/>
+                <a:cs typeface="Assistant" panose="00000500000000000000" pitchFamily="2" charset="-79"/>
               </a:rPr>
               <a:t>To spread through all the Earth abroad,</a:t>
             </a:r>
@@ -3153,10 +3173,12 @@
           <a:p>
             <a:pPr algn="ctr"/>
             <a:r>
-              <a:rPr lang="en-US" sz="3600" dirty="0">
+              <a:rPr lang="en-US" sz="2800" spc="50" dirty="0">
                 <a:solidFill>
                   <a:schemeClr val="bg1"/>
                 </a:solidFill>
+                <a:latin typeface="Assistant" panose="00000500000000000000" pitchFamily="2" charset="-79"/>
+                <a:cs typeface="Assistant" panose="00000500000000000000" pitchFamily="2" charset="-79"/>
               </a:rPr>
               <a:t>The honors of Thy name.</a:t>
             </a:r>
@@ -3258,8 +3280,8 @@
         </p:nvSpPr>
         <p:spPr>
           <a:xfrm>
-            <a:off x="0" y="5804209"/>
-            <a:ext cx="12192000" cy="830997"/>
+            <a:off x="0" y="5927320"/>
+            <a:ext cx="12192000" cy="584775"/>
           </a:xfrm>
           <a:prstGeom prst="rect">
             <a:avLst/>
@@ -3274,10 +3296,12 @@
           <a:p>
             <a:pPr algn="ctr"/>
             <a:r>
-              <a:rPr lang="en-US" sz="4800" dirty="0">
+              <a:rPr lang="en-US" sz="3200" u="sng" dirty="0">
                 <a:solidFill>
                   <a:schemeClr val="bg1"/>
                 </a:solidFill>
+                <a:latin typeface="Assistant SemiBold" panose="00000700000000000000" pitchFamily="2" charset="-79"/>
+                <a:cs typeface="Assistant SemiBold" panose="00000700000000000000" pitchFamily="2" charset="-79"/>
               </a:rPr>
               <a:t>“Oh, for a Thousand Tongues to Sing”</a:t>
             </a:r>
@@ -3292,8 +3316,8 @@
         </p:nvSpPr>
         <p:spPr>
           <a:xfrm>
-            <a:off x="0" y="255160"/>
-            <a:ext cx="12192000" cy="5078313"/>
+            <a:off x="0" y="729571"/>
+            <a:ext cx="12192000" cy="3970318"/>
           </a:xfrm>
           <a:prstGeom prst="rect">
             <a:avLst/>
@@ -3308,10 +3332,12 @@
           <a:p>
             <a:pPr algn="ctr"/>
             <a:r>
-              <a:rPr lang="en-US" sz="3600" dirty="0">
+              <a:rPr lang="en-US" sz="2800" spc="50" dirty="0">
                 <a:solidFill>
                   <a:schemeClr val="bg1"/>
                 </a:solidFill>
+                <a:latin typeface="Assistant" panose="00000500000000000000" pitchFamily="2" charset="-79"/>
+                <a:cs typeface="Assistant" panose="00000500000000000000" pitchFamily="2" charset="-79"/>
               </a:rPr>
               <a:t>Jesus, the name that charms our fears, </a:t>
             </a:r>
@@ -3319,10 +3345,12 @@
           <a:p>
             <a:pPr algn="ctr"/>
             <a:r>
-              <a:rPr lang="en-US" sz="3600" dirty="0">
+              <a:rPr lang="en-US" sz="2800" spc="50" dirty="0">
                 <a:solidFill>
                   <a:schemeClr val="bg1"/>
                 </a:solidFill>
+                <a:latin typeface="Assistant" panose="00000500000000000000" pitchFamily="2" charset="-79"/>
+                <a:cs typeface="Assistant" panose="00000500000000000000" pitchFamily="2" charset="-79"/>
               </a:rPr>
               <a:t>That bids our sorrows cease;</a:t>
             </a:r>
@@ -3330,18 +3358,22 @@
           <a:p>
             <a:pPr algn="ctr"/>
             <a:r>
-              <a:rPr lang="en-US" sz="3600" dirty="0" err="1">
+              <a:rPr lang="en-US" sz="2800" spc="50" dirty="0" err="1">
                 <a:solidFill>
                   <a:schemeClr val="bg1"/>
                 </a:solidFill>
+                <a:latin typeface="Assistant" panose="00000500000000000000" pitchFamily="2" charset="-79"/>
+                <a:cs typeface="Assistant" panose="00000500000000000000" pitchFamily="2" charset="-79"/>
               </a:rPr>
               <a:t>‘Tis</a:t>
             </a:r>
             <a:r>
-              <a:rPr lang="en-US" sz="3600" dirty="0">
+              <a:rPr lang="en-US" sz="2800" spc="50" dirty="0">
                 <a:solidFill>
                   <a:schemeClr val="bg1"/>
                 </a:solidFill>
+                <a:latin typeface="Assistant" panose="00000500000000000000" pitchFamily="2" charset="-79"/>
+                <a:cs typeface="Assistant" panose="00000500000000000000" pitchFamily="2" charset="-79"/>
               </a:rPr>
               <a:t> music in the sinner’s ears,</a:t>
             </a:r>
@@ -3349,37 +3381,45 @@
           <a:p>
             <a:pPr algn="ctr"/>
             <a:r>
-              <a:rPr lang="en-US" sz="3600" dirty="0" err="1">
+              <a:rPr lang="en-US" sz="2800" spc="50" dirty="0" err="1">
                 <a:solidFill>
                   <a:schemeClr val="bg1"/>
                 </a:solidFill>
+                <a:latin typeface="Assistant" panose="00000500000000000000" pitchFamily="2" charset="-79"/>
+                <a:cs typeface="Assistant" panose="00000500000000000000" pitchFamily="2" charset="-79"/>
               </a:rPr>
               <a:t>‘Tis</a:t>
             </a:r>
             <a:r>
-              <a:rPr lang="en-US" sz="3600" dirty="0">
+              <a:rPr lang="en-US" sz="2800" spc="50" dirty="0">
                 <a:solidFill>
                   <a:schemeClr val="bg1"/>
                 </a:solidFill>
+                <a:latin typeface="Assistant" panose="00000500000000000000" pitchFamily="2" charset="-79"/>
+                <a:cs typeface="Assistant" panose="00000500000000000000" pitchFamily="2" charset="-79"/>
               </a:rPr>
               <a:t> life and health and peace.</a:t>
             </a:r>
           </a:p>
           <a:p>
             <a:pPr algn="ctr"/>
-            <a:endParaRPr lang="en-US" sz="3600" dirty="0">
+            <a:endParaRPr lang="en-US" sz="2800" spc="50" dirty="0">
               <a:solidFill>
                 <a:schemeClr val="bg1"/>
               </a:solidFill>
+              <a:latin typeface="Assistant" panose="00000500000000000000" pitchFamily="2" charset="-79"/>
+              <a:cs typeface="Assistant" panose="00000500000000000000" pitchFamily="2" charset="-79"/>
             </a:endParaRPr>
           </a:p>
           <a:p>
             <a:pPr algn="ctr"/>
             <a:r>
-              <a:rPr lang="en-US" sz="3600" dirty="0">
+              <a:rPr lang="en-US" sz="2800" spc="50" dirty="0">
                 <a:solidFill>
                   <a:schemeClr val="bg1"/>
                 </a:solidFill>
+                <a:latin typeface="Assistant" panose="00000500000000000000" pitchFamily="2" charset="-79"/>
+                <a:cs typeface="Assistant" panose="00000500000000000000" pitchFamily="2" charset="-79"/>
               </a:rPr>
               <a:t>He breaks the power of cancelled sin, </a:t>
             </a:r>
@@ -3387,10 +3427,12 @@
           <a:p>
             <a:pPr algn="ctr"/>
             <a:r>
-              <a:rPr lang="en-US" sz="3600" dirty="0">
+              <a:rPr lang="en-US" sz="2800" spc="50" dirty="0">
                 <a:solidFill>
                   <a:schemeClr val="bg1"/>
                 </a:solidFill>
+                <a:latin typeface="Assistant" panose="00000500000000000000" pitchFamily="2" charset="-79"/>
+                <a:cs typeface="Assistant" panose="00000500000000000000" pitchFamily="2" charset="-79"/>
               </a:rPr>
               <a:t>He sets the prisoner free;</a:t>
             </a:r>
@@ -3398,10 +3440,12 @@
           <a:p>
             <a:pPr algn="ctr"/>
             <a:r>
-              <a:rPr lang="en-US" sz="3600" dirty="0">
+              <a:rPr lang="en-US" sz="2800" spc="50" dirty="0">
                 <a:solidFill>
                   <a:schemeClr val="bg1"/>
                 </a:solidFill>
+                <a:latin typeface="Assistant" panose="00000500000000000000" pitchFamily="2" charset="-79"/>
+                <a:cs typeface="Assistant" panose="00000500000000000000" pitchFamily="2" charset="-79"/>
               </a:rPr>
               <a:t>His blood can make the foulest clean;</a:t>
             </a:r>
@@ -3409,10 +3453,12 @@
           <a:p>
             <a:pPr algn="ctr"/>
             <a:r>
-              <a:rPr lang="en-US" sz="3600" dirty="0">
+              <a:rPr lang="en-US" sz="2800" spc="50" dirty="0">
                 <a:solidFill>
                   <a:schemeClr val="bg1"/>
                 </a:solidFill>
+                <a:latin typeface="Assistant" panose="00000500000000000000" pitchFamily="2" charset="-79"/>
+                <a:cs typeface="Assistant" panose="00000500000000000000" pitchFamily="2" charset="-79"/>
               </a:rPr>
               <a:t>His love avails for me.</a:t>
             </a:r>
@@ -3514,8 +3560,8 @@
         </p:nvSpPr>
         <p:spPr>
           <a:xfrm>
-            <a:off x="0" y="5804209"/>
-            <a:ext cx="12192000" cy="830997"/>
+            <a:off x="0" y="5927320"/>
+            <a:ext cx="12192000" cy="584775"/>
           </a:xfrm>
           <a:prstGeom prst="rect">
             <a:avLst/>
@@ -3530,10 +3576,12 @@
           <a:p>
             <a:pPr algn="ctr"/>
             <a:r>
-              <a:rPr lang="en-US" sz="4800" dirty="0">
+              <a:rPr lang="en-US" sz="3200" u="sng" dirty="0">
                 <a:solidFill>
                   <a:schemeClr val="bg1"/>
                 </a:solidFill>
+                <a:latin typeface="Assistant SemiBold" panose="00000700000000000000" pitchFamily="2" charset="-79"/>
+                <a:cs typeface="Assistant SemiBold" panose="00000700000000000000" pitchFamily="2" charset="-79"/>
               </a:rPr>
               <a:t>“Oh, for a Thousand Tongues to Sing”</a:t>
             </a:r>
@@ -3549,7 +3597,7 @@
         <p:spPr>
           <a:xfrm>
             <a:off x="0" y="1580377"/>
-            <a:ext cx="12192000" cy="2308324"/>
+            <a:ext cx="12192000" cy="1815882"/>
           </a:xfrm>
           <a:prstGeom prst="rect">
             <a:avLst/>
@@ -3564,10 +3612,12 @@
           <a:p>
             <a:pPr algn="ctr"/>
             <a:r>
-              <a:rPr lang="en-US" sz="3600" dirty="0">
+              <a:rPr lang="en-US" sz="2800" spc="50" dirty="0">
                 <a:solidFill>
                   <a:schemeClr val="bg1"/>
                 </a:solidFill>
+                <a:latin typeface="Assistant" panose="00000500000000000000" pitchFamily="2" charset="-79"/>
+                <a:cs typeface="Assistant" panose="00000500000000000000" pitchFamily="2" charset="-79"/>
               </a:rPr>
               <a:t>He speaks, and, listening to His voice,</a:t>
             </a:r>
@@ -3575,10 +3625,12 @@
           <a:p>
             <a:pPr algn="ctr"/>
             <a:r>
-              <a:rPr lang="en-US" sz="3600" dirty="0">
+              <a:rPr lang="en-US" sz="2800" spc="50" dirty="0">
                 <a:solidFill>
                   <a:schemeClr val="bg1"/>
                 </a:solidFill>
+                <a:latin typeface="Assistant" panose="00000500000000000000" pitchFamily="2" charset="-79"/>
+                <a:cs typeface="Assistant" panose="00000500000000000000" pitchFamily="2" charset="-79"/>
               </a:rPr>
               <a:t>New life the dead receive;</a:t>
             </a:r>
@@ -3586,10 +3638,12 @@
           <a:p>
             <a:pPr algn="ctr"/>
             <a:r>
-              <a:rPr lang="en-US" sz="3600" dirty="0">
+              <a:rPr lang="en-US" sz="2800" spc="50" dirty="0">
                 <a:solidFill>
                   <a:schemeClr val="bg1"/>
                 </a:solidFill>
+                <a:latin typeface="Assistant" panose="00000500000000000000" pitchFamily="2" charset="-79"/>
+                <a:cs typeface="Assistant" panose="00000500000000000000" pitchFamily="2" charset="-79"/>
               </a:rPr>
               <a:t>The mournful, broken hearts rejoice;</a:t>
             </a:r>
@@ -3597,10 +3651,12 @@
           <a:p>
             <a:pPr algn="ctr"/>
             <a:r>
-              <a:rPr lang="en-US" sz="3600" dirty="0">
+              <a:rPr lang="en-US" sz="2800" spc="50" dirty="0">
                 <a:solidFill>
                   <a:schemeClr val="bg1"/>
                 </a:solidFill>
+                <a:latin typeface="Assistant" panose="00000500000000000000" pitchFamily="2" charset="-79"/>
+                <a:cs typeface="Assistant" panose="00000500000000000000" pitchFamily="2" charset="-79"/>
               </a:rPr>
               <a:t>The humble poor believe.</a:t>
             </a:r>
